--- a/noter/Z01Temp/cover.pptx
+++ b/noter/Z01Temp/cover.pptx
@@ -6,6 +6,8 @@
   </p:sldMasterIdLst>
   <p:sldIdLst>
     <p:sldId id="256" r:id="rId2"/>
+    <p:sldId id="257" r:id="rId3"/>
+    <p:sldId id="258" r:id="rId4"/>
   </p:sldIdLst>
   <p:sldSz cx="12192000" cy="6858000"/>
   <p:notesSz cx="6858000" cy="9144000"/>
@@ -104,6 +106,11 @@
       </a:defRPr>
     </a:lvl9pPr>
   </p:defaultTextStyle>
+  <p:extLst>
+    <p:ext uri="{EFAFB233-063F-42B5-8137-9DF3F51BA10A}">
+      <p15:sldGuideLst xmlns:p15="http://schemas.microsoft.com/office/powerpoint/2012/main"/>
+    </p:ext>
+  </p:extLst>
 </p:presentation>
 </file>
 
@@ -254,7 +261,7 @@
           <a:p>
             <a:fld id="{BD2966E1-FE7C-43DC-AB9F-3BBAAA664D20}" type="datetimeFigureOut">
               <a:rPr lang="da-DK" smtClean="0"/>
-              <a:t>29-03-2020</a:t>
+              <a:t>30-03-2020</a:t>
             </a:fld>
             <a:endParaRPr lang="da-DK"/>
           </a:p>
@@ -452,7 +459,7 @@
           <a:p>
             <a:fld id="{BD2966E1-FE7C-43DC-AB9F-3BBAAA664D20}" type="datetimeFigureOut">
               <a:rPr lang="da-DK" smtClean="0"/>
-              <a:t>29-03-2020</a:t>
+              <a:t>30-03-2020</a:t>
             </a:fld>
             <a:endParaRPr lang="da-DK"/>
           </a:p>
@@ -660,7 +667,7 @@
           <a:p>
             <a:fld id="{BD2966E1-FE7C-43DC-AB9F-3BBAAA664D20}" type="datetimeFigureOut">
               <a:rPr lang="da-DK" smtClean="0"/>
-              <a:t>29-03-2020</a:t>
+              <a:t>30-03-2020</a:t>
             </a:fld>
             <a:endParaRPr lang="da-DK"/>
           </a:p>
@@ -858,7 +865,7 @@
           <a:p>
             <a:fld id="{BD2966E1-FE7C-43DC-AB9F-3BBAAA664D20}" type="datetimeFigureOut">
               <a:rPr lang="da-DK" smtClean="0"/>
-              <a:t>29-03-2020</a:t>
+              <a:t>30-03-2020</a:t>
             </a:fld>
             <a:endParaRPr lang="da-DK"/>
           </a:p>
@@ -1133,7 +1140,7 @@
           <a:p>
             <a:fld id="{BD2966E1-FE7C-43DC-AB9F-3BBAAA664D20}" type="datetimeFigureOut">
               <a:rPr lang="da-DK" smtClean="0"/>
-              <a:t>29-03-2020</a:t>
+              <a:t>30-03-2020</a:t>
             </a:fld>
             <a:endParaRPr lang="da-DK"/>
           </a:p>
@@ -1398,7 +1405,7 @@
           <a:p>
             <a:fld id="{BD2966E1-FE7C-43DC-AB9F-3BBAAA664D20}" type="datetimeFigureOut">
               <a:rPr lang="da-DK" smtClean="0"/>
-              <a:t>29-03-2020</a:t>
+              <a:t>30-03-2020</a:t>
             </a:fld>
             <a:endParaRPr lang="da-DK"/>
           </a:p>
@@ -1810,7 +1817,7 @@
           <a:p>
             <a:fld id="{BD2966E1-FE7C-43DC-AB9F-3BBAAA664D20}" type="datetimeFigureOut">
               <a:rPr lang="da-DK" smtClean="0"/>
-              <a:t>29-03-2020</a:t>
+              <a:t>30-03-2020</a:t>
             </a:fld>
             <a:endParaRPr lang="da-DK"/>
           </a:p>
@@ -1951,7 +1958,7 @@
           <a:p>
             <a:fld id="{BD2966E1-FE7C-43DC-AB9F-3BBAAA664D20}" type="datetimeFigureOut">
               <a:rPr lang="da-DK" smtClean="0"/>
-              <a:t>29-03-2020</a:t>
+              <a:t>30-03-2020</a:t>
             </a:fld>
             <a:endParaRPr lang="da-DK"/>
           </a:p>
@@ -2064,7 +2071,7 @@
           <a:p>
             <a:fld id="{BD2966E1-FE7C-43DC-AB9F-3BBAAA664D20}" type="datetimeFigureOut">
               <a:rPr lang="da-DK" smtClean="0"/>
-              <a:t>29-03-2020</a:t>
+              <a:t>30-03-2020</a:t>
             </a:fld>
             <a:endParaRPr lang="da-DK"/>
           </a:p>
@@ -2375,7 +2382,7 @@
           <a:p>
             <a:fld id="{BD2966E1-FE7C-43DC-AB9F-3BBAAA664D20}" type="datetimeFigureOut">
               <a:rPr lang="da-DK" smtClean="0"/>
-              <a:t>29-03-2020</a:t>
+              <a:t>30-03-2020</a:t>
             </a:fld>
             <a:endParaRPr lang="da-DK"/>
           </a:p>
@@ -2663,7 +2670,7 @@
           <a:p>
             <a:fld id="{BD2966E1-FE7C-43DC-AB9F-3BBAAA664D20}" type="datetimeFigureOut">
               <a:rPr lang="da-DK" smtClean="0"/>
-              <a:t>29-03-2020</a:t>
+              <a:t>30-03-2020</a:t>
             </a:fld>
             <a:endParaRPr lang="da-DK"/>
           </a:p>
@@ -2904,7 +2911,7 @@
           <a:p>
             <a:fld id="{BD2966E1-FE7C-43DC-AB9F-3BBAAA664D20}" type="datetimeFigureOut">
               <a:rPr lang="da-DK" smtClean="0"/>
-              <a:t>29-03-2020</a:t>
+              <a:t>30-03-2020</a:t>
             </a:fld>
             <a:endParaRPr lang="da-DK"/>
           </a:p>
@@ -3390,8 +3397,8 @@
         </p:nvSpPr>
         <p:spPr>
           <a:xfrm>
-            <a:off x="4194678" y="2828835"/>
-            <a:ext cx="3802644" cy="1200329"/>
+            <a:off x="4166625" y="2828835"/>
+            <a:ext cx="3858749" cy="1200329"/>
           </a:xfrm>
           <a:prstGeom prst="rect">
             <a:avLst/>
@@ -3405,8 +3412,8 @@
           <a:lstStyle/>
           <a:p>
             <a:r>
-              <a:rPr lang="da-DK" sz="7200" dirty="0"/>
-              <a:t>Episode 2</a:t>
+              <a:rPr lang="da-DK" sz="7200" b="1" dirty="0"/>
+              <a:t>Episode 1</a:t>
             </a:r>
           </a:p>
         </p:txBody>
@@ -3425,8 +3432,8 @@
         </p:nvSpPr>
         <p:spPr>
           <a:xfrm>
-            <a:off x="2435863" y="4144735"/>
-            <a:ext cx="7320274" cy="2308324"/>
+            <a:off x="3552225" y="4144735"/>
+            <a:ext cx="5087547" cy="2308324"/>
           </a:xfrm>
           <a:prstGeom prst="rect">
             <a:avLst/>
@@ -3442,14 +3449,14 @@
             <a:pPr algn="ctr"/>
             <a:r>
               <a:rPr lang="da-DK" sz="7200" dirty="0"/>
-              <a:t>Objektorienterede </a:t>
+              <a:t>Introduktion </a:t>
             </a:r>
             <a:br>
               <a:rPr lang="da-DK" sz="7200" dirty="0"/>
             </a:br>
             <a:r>
               <a:rPr lang="da-DK" sz="7200" dirty="0"/>
-              <a:t>principper</a:t>
+              <a:t>til forløbet</a:t>
             </a:r>
           </a:p>
         </p:txBody>
@@ -3458,6 +3465,332 @@
     <p:extLst>
       <p:ext uri="{BB962C8B-B14F-4D97-AF65-F5344CB8AC3E}">
         <p14:creationId xmlns:p14="http://schemas.microsoft.com/office/powerpoint/2010/main" val="3283516513"/>
+      </p:ext>
+    </p:extLst>
+  </p:cSld>
+  <p:clrMapOvr>
+    <a:masterClrMapping/>
+  </p:clrMapOvr>
+</p:sld>
+</file>
+
+<file path=ppt/slides/slide2.xml><?xml version="1.0" encoding="utf-8"?>
+<p:sld xmlns:a="http://schemas.openxmlformats.org/drawingml/2006/main" xmlns:r="http://schemas.openxmlformats.org/officeDocument/2006/relationships" xmlns:p="http://schemas.openxmlformats.org/presentationml/2006/main">
+  <p:cSld>
+    <p:spTree>
+      <p:nvGrpSpPr>
+        <p:cNvPr id="1" name=""/>
+        <p:cNvGrpSpPr/>
+        <p:nvPr/>
+      </p:nvGrpSpPr>
+      <p:grpSpPr>
+        <a:xfrm>
+          <a:off x="0" y="0"/>
+          <a:ext cx="0" cy="0"/>
+          <a:chOff x="0" y="0"/>
+          <a:chExt cx="0" cy="0"/>
+        </a:xfrm>
+      </p:grpSpPr>
+      <p:sp>
+        <p:nvSpPr>
+          <p:cNvPr id="4" name="Tekstfelt 3">
+            <a:extLst>
+              <a:ext uri="{FF2B5EF4-FFF2-40B4-BE49-F238E27FC236}">
+                <a16:creationId xmlns:a16="http://schemas.microsoft.com/office/drawing/2014/main" id="{D2F3B21E-EDB2-40BD-A98C-A1EFF2BDB9D5}"/>
+              </a:ext>
+            </a:extLst>
+          </p:cNvPr>
+          <p:cNvSpPr txBox="1"/>
+          <p:nvPr/>
+        </p:nvSpPr>
+        <p:spPr>
+          <a:xfrm>
+            <a:off x="783200" y="404941"/>
+            <a:ext cx="10637720" cy="1938992"/>
+          </a:xfrm>
+          <a:prstGeom prst="rect">
+            <a:avLst/>
+          </a:prstGeom>
+          <a:noFill/>
+        </p:spPr>
+        <p:txBody>
+          <a:bodyPr wrap="none" rtlCol="0">
+            <a:spAutoFit/>
+          </a:bodyPr>
+          <a:lstStyle/>
+          <a:p>
+            <a:pPr algn="ctr"/>
+            <a:r>
+              <a:rPr lang="da-DK" sz="6000" dirty="0">
+                <a:solidFill>
+                  <a:schemeClr val="tx2"/>
+                </a:solidFill>
+              </a:rPr>
+              <a:t>Objektorienteret programmering </a:t>
+            </a:r>
+            <a:br>
+              <a:rPr lang="da-DK" sz="6000" dirty="0">
+                <a:solidFill>
+                  <a:schemeClr val="tx2"/>
+                </a:solidFill>
+              </a:rPr>
+            </a:br>
+            <a:r>
+              <a:rPr lang="da-DK" sz="6000" dirty="0">
+                <a:solidFill>
+                  <a:schemeClr val="tx2"/>
+                </a:solidFill>
+              </a:rPr>
+              <a:t>med C# (april 2020)</a:t>
+            </a:r>
+          </a:p>
+        </p:txBody>
+      </p:sp>
+      <p:sp>
+        <p:nvSpPr>
+          <p:cNvPr id="6" name="Tekstfelt 5">
+            <a:extLst>
+              <a:ext uri="{FF2B5EF4-FFF2-40B4-BE49-F238E27FC236}">
+                <a16:creationId xmlns:a16="http://schemas.microsoft.com/office/drawing/2014/main" id="{DF8301D5-552D-4BB8-80BB-7DCF3F59DA05}"/>
+              </a:ext>
+            </a:extLst>
+          </p:cNvPr>
+          <p:cNvSpPr txBox="1"/>
+          <p:nvPr/>
+        </p:nvSpPr>
+        <p:spPr>
+          <a:xfrm>
+            <a:off x="3735128" y="2828835"/>
+            <a:ext cx="4721742" cy="1200329"/>
+          </a:xfrm>
+          <a:prstGeom prst="rect">
+            <a:avLst/>
+          </a:prstGeom>
+          <a:noFill/>
+        </p:spPr>
+        <p:txBody>
+          <a:bodyPr wrap="none" rtlCol="0">
+            <a:spAutoFit/>
+          </a:bodyPr>
+          <a:lstStyle/>
+          <a:p>
+            <a:r>
+              <a:rPr lang="da-DK" sz="7200" dirty="0"/>
+              <a:t>Ekstra video</a:t>
+            </a:r>
+          </a:p>
+        </p:txBody>
+      </p:sp>
+      <p:sp>
+        <p:nvSpPr>
+          <p:cNvPr id="7" name="Tekstfelt 6">
+            <a:extLst>
+              <a:ext uri="{FF2B5EF4-FFF2-40B4-BE49-F238E27FC236}">
+                <a16:creationId xmlns:a16="http://schemas.microsoft.com/office/drawing/2014/main" id="{5264DAD3-455F-4445-93B8-D38AB620D407}"/>
+              </a:ext>
+            </a:extLst>
+          </p:cNvPr>
+          <p:cNvSpPr txBox="1"/>
+          <p:nvPr/>
+        </p:nvSpPr>
+        <p:spPr>
+          <a:xfrm>
+            <a:off x="3355697" y="4144735"/>
+            <a:ext cx="5480603" cy="2308324"/>
+          </a:xfrm>
+          <a:prstGeom prst="rect">
+            <a:avLst/>
+          </a:prstGeom>
+          <a:noFill/>
+        </p:spPr>
+        <p:txBody>
+          <a:bodyPr wrap="none" rtlCol="0">
+            <a:spAutoFit/>
+          </a:bodyPr>
+          <a:lstStyle/>
+          <a:p>
+            <a:pPr algn="ctr"/>
+            <a:r>
+              <a:rPr lang="da-DK" sz="7200" dirty="0"/>
+              <a:t>Installation af </a:t>
+            </a:r>
+            <a:br>
+              <a:rPr lang="da-DK" sz="7200" dirty="0"/>
+            </a:br>
+            <a:r>
+              <a:rPr lang="da-DK" sz="7200" dirty="0"/>
+              <a:t>.NET Core</a:t>
+            </a:r>
+          </a:p>
+        </p:txBody>
+      </p:sp>
+    </p:spTree>
+    <p:extLst>
+      <p:ext uri="{BB962C8B-B14F-4D97-AF65-F5344CB8AC3E}">
+        <p14:creationId xmlns:p14="http://schemas.microsoft.com/office/powerpoint/2010/main" val="620821829"/>
+      </p:ext>
+    </p:extLst>
+  </p:cSld>
+  <p:clrMapOvr>
+    <a:masterClrMapping/>
+  </p:clrMapOvr>
+</p:sld>
+</file>
+
+<file path=ppt/slides/slide3.xml><?xml version="1.0" encoding="utf-8"?>
+<p:sld xmlns:a="http://schemas.openxmlformats.org/drawingml/2006/main" xmlns:r="http://schemas.openxmlformats.org/officeDocument/2006/relationships" xmlns:p="http://schemas.openxmlformats.org/presentationml/2006/main">
+  <p:cSld>
+    <p:spTree>
+      <p:nvGrpSpPr>
+        <p:cNvPr id="1" name=""/>
+        <p:cNvGrpSpPr/>
+        <p:nvPr/>
+      </p:nvGrpSpPr>
+      <p:grpSpPr>
+        <a:xfrm>
+          <a:off x="0" y="0"/>
+          <a:ext cx="0" cy="0"/>
+          <a:chOff x="0" y="0"/>
+          <a:chExt cx="0" cy="0"/>
+        </a:xfrm>
+      </p:grpSpPr>
+      <p:sp>
+        <p:nvSpPr>
+          <p:cNvPr id="4" name="Tekstfelt 3">
+            <a:extLst>
+              <a:ext uri="{FF2B5EF4-FFF2-40B4-BE49-F238E27FC236}">
+                <a16:creationId xmlns:a16="http://schemas.microsoft.com/office/drawing/2014/main" id="{D2F3B21E-EDB2-40BD-A98C-A1EFF2BDB9D5}"/>
+              </a:ext>
+            </a:extLst>
+          </p:cNvPr>
+          <p:cNvSpPr txBox="1"/>
+          <p:nvPr/>
+        </p:nvSpPr>
+        <p:spPr>
+          <a:xfrm>
+            <a:off x="783200" y="404941"/>
+            <a:ext cx="10637720" cy="1938992"/>
+          </a:xfrm>
+          <a:prstGeom prst="rect">
+            <a:avLst/>
+          </a:prstGeom>
+          <a:noFill/>
+        </p:spPr>
+        <p:txBody>
+          <a:bodyPr wrap="none" rtlCol="0">
+            <a:spAutoFit/>
+          </a:bodyPr>
+          <a:lstStyle/>
+          <a:p>
+            <a:pPr algn="ctr"/>
+            <a:r>
+              <a:rPr lang="da-DK" sz="6000" dirty="0">
+                <a:solidFill>
+                  <a:schemeClr val="tx2"/>
+                </a:solidFill>
+              </a:rPr>
+              <a:t>Objektorienteret programmering </a:t>
+            </a:r>
+            <a:br>
+              <a:rPr lang="da-DK" sz="6000" dirty="0">
+                <a:solidFill>
+                  <a:schemeClr val="tx2"/>
+                </a:solidFill>
+              </a:rPr>
+            </a:br>
+            <a:r>
+              <a:rPr lang="da-DK" sz="6000" dirty="0">
+                <a:solidFill>
+                  <a:schemeClr val="tx2"/>
+                </a:solidFill>
+              </a:rPr>
+              <a:t>med C# (april 2020)</a:t>
+            </a:r>
+          </a:p>
+        </p:txBody>
+      </p:sp>
+      <p:sp>
+        <p:nvSpPr>
+          <p:cNvPr id="6" name="Tekstfelt 5">
+            <a:extLst>
+              <a:ext uri="{FF2B5EF4-FFF2-40B4-BE49-F238E27FC236}">
+                <a16:creationId xmlns:a16="http://schemas.microsoft.com/office/drawing/2014/main" id="{DF8301D5-552D-4BB8-80BB-7DCF3F59DA05}"/>
+              </a:ext>
+            </a:extLst>
+          </p:cNvPr>
+          <p:cNvSpPr txBox="1"/>
+          <p:nvPr/>
+        </p:nvSpPr>
+        <p:spPr>
+          <a:xfrm>
+            <a:off x="2918976" y="2828835"/>
+            <a:ext cx="6354047" cy="1200329"/>
+          </a:xfrm>
+          <a:prstGeom prst="rect">
+            <a:avLst/>
+          </a:prstGeom>
+          <a:noFill/>
+        </p:spPr>
+        <p:txBody>
+          <a:bodyPr wrap="none" rtlCol="0">
+            <a:spAutoFit/>
+          </a:bodyPr>
+          <a:lstStyle/>
+          <a:p>
+            <a:r>
+              <a:rPr lang="da-DK" sz="7200" b="1" dirty="0"/>
+              <a:t>Video til opgave</a:t>
+            </a:r>
+          </a:p>
+        </p:txBody>
+      </p:sp>
+      <p:sp>
+        <p:nvSpPr>
+          <p:cNvPr id="7" name="Tekstfelt 6">
+            <a:extLst>
+              <a:ext uri="{FF2B5EF4-FFF2-40B4-BE49-F238E27FC236}">
+                <a16:creationId xmlns:a16="http://schemas.microsoft.com/office/drawing/2014/main" id="{5264DAD3-455F-4445-93B8-D38AB620D407}"/>
+              </a:ext>
+            </a:extLst>
+          </p:cNvPr>
+          <p:cNvSpPr txBox="1"/>
+          <p:nvPr/>
+        </p:nvSpPr>
+        <p:spPr>
+          <a:xfrm>
+            <a:off x="1493554" y="4144735"/>
+            <a:ext cx="9204892" cy="2308324"/>
+          </a:xfrm>
+          <a:prstGeom prst="rect">
+            <a:avLst/>
+          </a:prstGeom>
+          <a:noFill/>
+        </p:spPr>
+        <p:txBody>
+          <a:bodyPr wrap="none" rtlCol="0">
+            <a:spAutoFit/>
+          </a:bodyPr>
+          <a:lstStyle/>
+          <a:p>
+            <a:pPr algn="ctr"/>
+            <a:r>
+              <a:rPr lang="da-DK" sz="7200" dirty="0"/>
+              <a:t>Gennemgang af opgave </a:t>
+            </a:r>
+            <a:br>
+              <a:rPr lang="da-DK" sz="7200" dirty="0"/>
+            </a:br>
+            <a:r>
+              <a:rPr lang="da-DK" sz="7200" dirty="0"/>
+              <a:t>fra episode 2</a:t>
+            </a:r>
+          </a:p>
+        </p:txBody>
+      </p:sp>
+    </p:spTree>
+    <p:extLst>
+      <p:ext uri="{BB962C8B-B14F-4D97-AF65-F5344CB8AC3E}">
+        <p14:creationId xmlns:p14="http://schemas.microsoft.com/office/powerpoint/2010/main" val="2129103847"/>
       </p:ext>
     </p:extLst>
   </p:cSld>

--- a/noter/Z01Temp/cover.pptx
+++ b/noter/Z01Temp/cover.pptx
@@ -261,7 +261,7 @@
           <a:p>
             <a:fld id="{BD2966E1-FE7C-43DC-AB9F-3BBAAA664D20}" type="datetimeFigureOut">
               <a:rPr lang="da-DK" smtClean="0"/>
-              <a:t>30-03-2020</a:t>
+              <a:t>31-03-2020</a:t>
             </a:fld>
             <a:endParaRPr lang="da-DK"/>
           </a:p>
@@ -459,7 +459,7 @@
           <a:p>
             <a:fld id="{BD2966E1-FE7C-43DC-AB9F-3BBAAA664D20}" type="datetimeFigureOut">
               <a:rPr lang="da-DK" smtClean="0"/>
-              <a:t>30-03-2020</a:t>
+              <a:t>31-03-2020</a:t>
             </a:fld>
             <a:endParaRPr lang="da-DK"/>
           </a:p>
@@ -667,7 +667,7 @@
           <a:p>
             <a:fld id="{BD2966E1-FE7C-43DC-AB9F-3BBAAA664D20}" type="datetimeFigureOut">
               <a:rPr lang="da-DK" smtClean="0"/>
-              <a:t>30-03-2020</a:t>
+              <a:t>31-03-2020</a:t>
             </a:fld>
             <a:endParaRPr lang="da-DK"/>
           </a:p>
@@ -865,7 +865,7 @@
           <a:p>
             <a:fld id="{BD2966E1-FE7C-43DC-AB9F-3BBAAA664D20}" type="datetimeFigureOut">
               <a:rPr lang="da-DK" smtClean="0"/>
-              <a:t>30-03-2020</a:t>
+              <a:t>31-03-2020</a:t>
             </a:fld>
             <a:endParaRPr lang="da-DK"/>
           </a:p>
@@ -1140,7 +1140,7 @@
           <a:p>
             <a:fld id="{BD2966E1-FE7C-43DC-AB9F-3BBAAA664D20}" type="datetimeFigureOut">
               <a:rPr lang="da-DK" smtClean="0"/>
-              <a:t>30-03-2020</a:t>
+              <a:t>31-03-2020</a:t>
             </a:fld>
             <a:endParaRPr lang="da-DK"/>
           </a:p>
@@ -1405,7 +1405,7 @@
           <a:p>
             <a:fld id="{BD2966E1-FE7C-43DC-AB9F-3BBAAA664D20}" type="datetimeFigureOut">
               <a:rPr lang="da-DK" smtClean="0"/>
-              <a:t>30-03-2020</a:t>
+              <a:t>31-03-2020</a:t>
             </a:fld>
             <a:endParaRPr lang="da-DK"/>
           </a:p>
@@ -1817,7 +1817,7 @@
           <a:p>
             <a:fld id="{BD2966E1-FE7C-43DC-AB9F-3BBAAA664D20}" type="datetimeFigureOut">
               <a:rPr lang="da-DK" smtClean="0"/>
-              <a:t>30-03-2020</a:t>
+              <a:t>31-03-2020</a:t>
             </a:fld>
             <a:endParaRPr lang="da-DK"/>
           </a:p>
@@ -1958,7 +1958,7 @@
           <a:p>
             <a:fld id="{BD2966E1-FE7C-43DC-AB9F-3BBAAA664D20}" type="datetimeFigureOut">
               <a:rPr lang="da-DK" smtClean="0"/>
-              <a:t>30-03-2020</a:t>
+              <a:t>31-03-2020</a:t>
             </a:fld>
             <a:endParaRPr lang="da-DK"/>
           </a:p>
@@ -2071,7 +2071,7 @@
           <a:p>
             <a:fld id="{BD2966E1-FE7C-43DC-AB9F-3BBAAA664D20}" type="datetimeFigureOut">
               <a:rPr lang="da-DK" smtClean="0"/>
-              <a:t>30-03-2020</a:t>
+              <a:t>31-03-2020</a:t>
             </a:fld>
             <a:endParaRPr lang="da-DK"/>
           </a:p>
@@ -2382,7 +2382,7 @@
           <a:p>
             <a:fld id="{BD2966E1-FE7C-43DC-AB9F-3BBAAA664D20}" type="datetimeFigureOut">
               <a:rPr lang="da-DK" smtClean="0"/>
-              <a:t>30-03-2020</a:t>
+              <a:t>31-03-2020</a:t>
             </a:fld>
             <a:endParaRPr lang="da-DK"/>
           </a:p>
@@ -2670,7 +2670,7 @@
           <a:p>
             <a:fld id="{BD2966E1-FE7C-43DC-AB9F-3BBAAA664D20}" type="datetimeFigureOut">
               <a:rPr lang="da-DK" smtClean="0"/>
-              <a:t>30-03-2020</a:t>
+              <a:t>31-03-2020</a:t>
             </a:fld>
             <a:endParaRPr lang="da-DK"/>
           </a:p>
@@ -2911,7 +2911,7 @@
           <a:p>
             <a:fld id="{BD2966E1-FE7C-43DC-AB9F-3BBAAA664D20}" type="datetimeFigureOut">
               <a:rPr lang="da-DK" smtClean="0"/>
-              <a:t>30-03-2020</a:t>
+              <a:t>31-03-2020</a:t>
             </a:fld>
             <a:endParaRPr lang="da-DK"/>
           </a:p>
@@ -3413,7 +3413,7 @@
           <a:p>
             <a:r>
               <a:rPr lang="da-DK" sz="7200" b="1" dirty="0"/>
-              <a:t>Episode 1</a:t>
+              <a:t>Episode 3</a:t>
             </a:r>
           </a:p>
         </p:txBody>
@@ -3432,8 +3432,8 @@
         </p:nvSpPr>
         <p:spPr>
           <a:xfrm>
-            <a:off x="3552225" y="4144735"/>
-            <a:ext cx="5087547" cy="2308324"/>
+            <a:off x="2933984" y="4144735"/>
+            <a:ext cx="6324039" cy="2308324"/>
           </a:xfrm>
           <a:prstGeom prst="rect">
             <a:avLst/>
@@ -3449,15 +3449,16 @@
             <a:pPr algn="ctr"/>
             <a:r>
               <a:rPr lang="da-DK" sz="7200" dirty="0"/>
-              <a:t>Introduktion </a:t>
+              <a:t>Klasser, felter og</a:t>
             </a:r>
             <a:br>
-              <a:rPr lang="da-DK" sz="7200" dirty="0"/>
+              <a:rPr lang="da-DK" sz="7200"/>
             </a:br>
             <a:r>
-              <a:rPr lang="da-DK" sz="7200" dirty="0"/>
-              <a:t>til forløbet</a:t>
-            </a:r>
+              <a:rPr lang="da-DK" sz="7200"/>
+              <a:t>konstruktører</a:t>
+            </a:r>
+            <a:endParaRPr lang="da-DK" sz="7200" dirty="0"/>
           </a:p>
         </p:txBody>
       </p:sp>

--- a/noter/Z01Temp/cover.pptx
+++ b/noter/Z01Temp/cover.pptx
@@ -261,7 +261,7 @@
           <a:p>
             <a:fld id="{BD2966E1-FE7C-43DC-AB9F-3BBAAA664D20}" type="datetimeFigureOut">
               <a:rPr lang="da-DK" smtClean="0"/>
-              <a:t>31-03-2020</a:t>
+              <a:t>01-04-2020</a:t>
             </a:fld>
             <a:endParaRPr lang="da-DK"/>
           </a:p>
@@ -459,7 +459,7 @@
           <a:p>
             <a:fld id="{BD2966E1-FE7C-43DC-AB9F-3BBAAA664D20}" type="datetimeFigureOut">
               <a:rPr lang="da-DK" smtClean="0"/>
-              <a:t>31-03-2020</a:t>
+              <a:t>01-04-2020</a:t>
             </a:fld>
             <a:endParaRPr lang="da-DK"/>
           </a:p>
@@ -667,7 +667,7 @@
           <a:p>
             <a:fld id="{BD2966E1-FE7C-43DC-AB9F-3BBAAA664D20}" type="datetimeFigureOut">
               <a:rPr lang="da-DK" smtClean="0"/>
-              <a:t>31-03-2020</a:t>
+              <a:t>01-04-2020</a:t>
             </a:fld>
             <a:endParaRPr lang="da-DK"/>
           </a:p>
@@ -865,7 +865,7 @@
           <a:p>
             <a:fld id="{BD2966E1-FE7C-43DC-AB9F-3BBAAA664D20}" type="datetimeFigureOut">
               <a:rPr lang="da-DK" smtClean="0"/>
-              <a:t>31-03-2020</a:t>
+              <a:t>01-04-2020</a:t>
             </a:fld>
             <a:endParaRPr lang="da-DK"/>
           </a:p>
@@ -1140,7 +1140,7 @@
           <a:p>
             <a:fld id="{BD2966E1-FE7C-43DC-AB9F-3BBAAA664D20}" type="datetimeFigureOut">
               <a:rPr lang="da-DK" smtClean="0"/>
-              <a:t>31-03-2020</a:t>
+              <a:t>01-04-2020</a:t>
             </a:fld>
             <a:endParaRPr lang="da-DK"/>
           </a:p>
@@ -1405,7 +1405,7 @@
           <a:p>
             <a:fld id="{BD2966E1-FE7C-43DC-AB9F-3BBAAA664D20}" type="datetimeFigureOut">
               <a:rPr lang="da-DK" smtClean="0"/>
-              <a:t>31-03-2020</a:t>
+              <a:t>01-04-2020</a:t>
             </a:fld>
             <a:endParaRPr lang="da-DK"/>
           </a:p>
@@ -1817,7 +1817,7 @@
           <a:p>
             <a:fld id="{BD2966E1-FE7C-43DC-AB9F-3BBAAA664D20}" type="datetimeFigureOut">
               <a:rPr lang="da-DK" smtClean="0"/>
-              <a:t>31-03-2020</a:t>
+              <a:t>01-04-2020</a:t>
             </a:fld>
             <a:endParaRPr lang="da-DK"/>
           </a:p>
@@ -1958,7 +1958,7 @@
           <a:p>
             <a:fld id="{BD2966E1-FE7C-43DC-AB9F-3BBAAA664D20}" type="datetimeFigureOut">
               <a:rPr lang="da-DK" smtClean="0"/>
-              <a:t>31-03-2020</a:t>
+              <a:t>01-04-2020</a:t>
             </a:fld>
             <a:endParaRPr lang="da-DK"/>
           </a:p>
@@ -2071,7 +2071,7 @@
           <a:p>
             <a:fld id="{BD2966E1-FE7C-43DC-AB9F-3BBAAA664D20}" type="datetimeFigureOut">
               <a:rPr lang="da-DK" smtClean="0"/>
-              <a:t>31-03-2020</a:t>
+              <a:t>01-04-2020</a:t>
             </a:fld>
             <a:endParaRPr lang="da-DK"/>
           </a:p>
@@ -2382,7 +2382,7 @@
           <a:p>
             <a:fld id="{BD2966E1-FE7C-43DC-AB9F-3BBAAA664D20}" type="datetimeFigureOut">
               <a:rPr lang="da-DK" smtClean="0"/>
-              <a:t>31-03-2020</a:t>
+              <a:t>01-04-2020</a:t>
             </a:fld>
             <a:endParaRPr lang="da-DK"/>
           </a:p>
@@ -2670,7 +2670,7 @@
           <a:p>
             <a:fld id="{BD2966E1-FE7C-43DC-AB9F-3BBAAA664D20}" type="datetimeFigureOut">
               <a:rPr lang="da-DK" smtClean="0"/>
-              <a:t>31-03-2020</a:t>
+              <a:t>01-04-2020</a:t>
             </a:fld>
             <a:endParaRPr lang="da-DK"/>
           </a:p>
@@ -2911,7 +2911,7 @@
           <a:p>
             <a:fld id="{BD2966E1-FE7C-43DC-AB9F-3BBAAA664D20}" type="datetimeFigureOut">
               <a:rPr lang="da-DK" smtClean="0"/>
-              <a:t>31-03-2020</a:t>
+              <a:t>01-04-2020</a:t>
             </a:fld>
             <a:endParaRPr lang="da-DK"/>
           </a:p>
@@ -3413,7 +3413,7 @@
           <a:p>
             <a:r>
               <a:rPr lang="da-DK" sz="7200" b="1" dirty="0"/>
-              <a:t>Episode 3</a:t>
+              <a:t>Episode 4</a:t>
             </a:r>
           </a:p>
         </p:txBody>
@@ -3432,8 +3432,8 @@
         </p:nvSpPr>
         <p:spPr>
           <a:xfrm>
-            <a:off x="2933984" y="4144735"/>
-            <a:ext cx="6324039" cy="2308324"/>
+            <a:off x="3885817" y="4144735"/>
+            <a:ext cx="4420377" cy="1200329"/>
           </a:xfrm>
           <a:prstGeom prst="rect">
             <a:avLst/>
@@ -3448,15 +3448,8 @@
           <a:p>
             <a:pPr algn="ctr"/>
             <a:r>
-              <a:rPr lang="da-DK" sz="7200" dirty="0"/>
-              <a:t>Klasser, felter og</a:t>
-            </a:r>
-            <a:br>
               <a:rPr lang="da-DK" sz="7200"/>
-            </a:br>
-            <a:r>
-              <a:rPr lang="da-DK" sz="7200"/>
-              <a:t>konstruktører</a:t>
+              <a:t>Indkapsling</a:t>
             </a:r>
             <a:endParaRPr lang="da-DK" sz="7200" dirty="0"/>
           </a:p>

--- a/noter/Z01Temp/cover.pptx
+++ b/noter/Z01Temp/cover.pptx
@@ -261,7 +261,7 @@
           <a:p>
             <a:fld id="{BD2966E1-FE7C-43DC-AB9F-3BBAAA664D20}" type="datetimeFigureOut">
               <a:rPr lang="da-DK" smtClean="0"/>
-              <a:t>01-04-2020</a:t>
+              <a:t>02-04-2020</a:t>
             </a:fld>
             <a:endParaRPr lang="da-DK"/>
           </a:p>
@@ -459,7 +459,7 @@
           <a:p>
             <a:fld id="{BD2966E1-FE7C-43DC-AB9F-3BBAAA664D20}" type="datetimeFigureOut">
               <a:rPr lang="da-DK" smtClean="0"/>
-              <a:t>01-04-2020</a:t>
+              <a:t>02-04-2020</a:t>
             </a:fld>
             <a:endParaRPr lang="da-DK"/>
           </a:p>
@@ -667,7 +667,7 @@
           <a:p>
             <a:fld id="{BD2966E1-FE7C-43DC-AB9F-3BBAAA664D20}" type="datetimeFigureOut">
               <a:rPr lang="da-DK" smtClean="0"/>
-              <a:t>01-04-2020</a:t>
+              <a:t>02-04-2020</a:t>
             </a:fld>
             <a:endParaRPr lang="da-DK"/>
           </a:p>
@@ -865,7 +865,7 @@
           <a:p>
             <a:fld id="{BD2966E1-FE7C-43DC-AB9F-3BBAAA664D20}" type="datetimeFigureOut">
               <a:rPr lang="da-DK" smtClean="0"/>
-              <a:t>01-04-2020</a:t>
+              <a:t>02-04-2020</a:t>
             </a:fld>
             <a:endParaRPr lang="da-DK"/>
           </a:p>
@@ -1140,7 +1140,7 @@
           <a:p>
             <a:fld id="{BD2966E1-FE7C-43DC-AB9F-3BBAAA664D20}" type="datetimeFigureOut">
               <a:rPr lang="da-DK" smtClean="0"/>
-              <a:t>01-04-2020</a:t>
+              <a:t>02-04-2020</a:t>
             </a:fld>
             <a:endParaRPr lang="da-DK"/>
           </a:p>
@@ -1405,7 +1405,7 @@
           <a:p>
             <a:fld id="{BD2966E1-FE7C-43DC-AB9F-3BBAAA664D20}" type="datetimeFigureOut">
               <a:rPr lang="da-DK" smtClean="0"/>
-              <a:t>01-04-2020</a:t>
+              <a:t>02-04-2020</a:t>
             </a:fld>
             <a:endParaRPr lang="da-DK"/>
           </a:p>
@@ -1817,7 +1817,7 @@
           <a:p>
             <a:fld id="{BD2966E1-FE7C-43DC-AB9F-3BBAAA664D20}" type="datetimeFigureOut">
               <a:rPr lang="da-DK" smtClean="0"/>
-              <a:t>01-04-2020</a:t>
+              <a:t>02-04-2020</a:t>
             </a:fld>
             <a:endParaRPr lang="da-DK"/>
           </a:p>
@@ -1958,7 +1958,7 @@
           <a:p>
             <a:fld id="{BD2966E1-FE7C-43DC-AB9F-3BBAAA664D20}" type="datetimeFigureOut">
               <a:rPr lang="da-DK" smtClean="0"/>
-              <a:t>01-04-2020</a:t>
+              <a:t>02-04-2020</a:t>
             </a:fld>
             <a:endParaRPr lang="da-DK"/>
           </a:p>
@@ -2071,7 +2071,7 @@
           <a:p>
             <a:fld id="{BD2966E1-FE7C-43DC-AB9F-3BBAAA664D20}" type="datetimeFigureOut">
               <a:rPr lang="da-DK" smtClean="0"/>
-              <a:t>01-04-2020</a:t>
+              <a:t>02-04-2020</a:t>
             </a:fld>
             <a:endParaRPr lang="da-DK"/>
           </a:p>
@@ -2382,7 +2382,7 @@
           <a:p>
             <a:fld id="{BD2966E1-FE7C-43DC-AB9F-3BBAAA664D20}" type="datetimeFigureOut">
               <a:rPr lang="da-DK" smtClean="0"/>
-              <a:t>01-04-2020</a:t>
+              <a:t>02-04-2020</a:t>
             </a:fld>
             <a:endParaRPr lang="da-DK"/>
           </a:p>
@@ -2670,7 +2670,7 @@
           <a:p>
             <a:fld id="{BD2966E1-FE7C-43DC-AB9F-3BBAAA664D20}" type="datetimeFigureOut">
               <a:rPr lang="da-DK" smtClean="0"/>
-              <a:t>01-04-2020</a:t>
+              <a:t>02-04-2020</a:t>
             </a:fld>
             <a:endParaRPr lang="da-DK"/>
           </a:p>
@@ -2911,7 +2911,7 @@
           <a:p>
             <a:fld id="{BD2966E1-FE7C-43DC-AB9F-3BBAAA664D20}" type="datetimeFigureOut">
               <a:rPr lang="da-DK" smtClean="0"/>
-              <a:t>01-04-2020</a:t>
+              <a:t>02-04-2020</a:t>
             </a:fld>
             <a:endParaRPr lang="da-DK"/>
           </a:p>
@@ -3413,7 +3413,7 @@
           <a:p>
             <a:r>
               <a:rPr lang="da-DK" sz="7200" b="1" dirty="0"/>
-              <a:t>Episode 4</a:t>
+              <a:t>Episode 5</a:t>
             </a:r>
           </a:p>
         </p:txBody>
@@ -3432,8 +3432,8 @@
         </p:nvSpPr>
         <p:spPr>
           <a:xfrm>
-            <a:off x="3885817" y="4144735"/>
-            <a:ext cx="4420377" cy="1200329"/>
+            <a:off x="4353960" y="4144735"/>
+            <a:ext cx="3484095" cy="1200329"/>
           </a:xfrm>
           <a:prstGeom prst="rect">
             <a:avLst/>
@@ -3448,10 +3448,9 @@
           <a:p>
             <a:pPr algn="ctr"/>
             <a:r>
-              <a:rPr lang="da-DK" sz="7200"/>
-              <a:t>Indkapsling</a:t>
-            </a:r>
-            <a:endParaRPr lang="da-DK" sz="7200" dirty="0"/>
+              <a:rPr lang="da-DK" sz="7200" dirty="0"/>
+              <a:t>Metoder</a:t>
+            </a:r>
           </a:p>
         </p:txBody>
       </p:sp>

--- a/noter/Z01Temp/cover.pptx
+++ b/noter/Z01Temp/cover.pptx
@@ -261,7 +261,7 @@
           <a:p>
             <a:fld id="{BD2966E1-FE7C-43DC-AB9F-3BBAAA664D20}" type="datetimeFigureOut">
               <a:rPr lang="da-DK" smtClean="0"/>
-              <a:t>02-04-2020</a:t>
+              <a:t>05-04-2020</a:t>
             </a:fld>
             <a:endParaRPr lang="da-DK"/>
           </a:p>
@@ -459,7 +459,7 @@
           <a:p>
             <a:fld id="{BD2966E1-FE7C-43DC-AB9F-3BBAAA664D20}" type="datetimeFigureOut">
               <a:rPr lang="da-DK" smtClean="0"/>
-              <a:t>02-04-2020</a:t>
+              <a:t>05-04-2020</a:t>
             </a:fld>
             <a:endParaRPr lang="da-DK"/>
           </a:p>
@@ -667,7 +667,7 @@
           <a:p>
             <a:fld id="{BD2966E1-FE7C-43DC-AB9F-3BBAAA664D20}" type="datetimeFigureOut">
               <a:rPr lang="da-DK" smtClean="0"/>
-              <a:t>02-04-2020</a:t>
+              <a:t>05-04-2020</a:t>
             </a:fld>
             <a:endParaRPr lang="da-DK"/>
           </a:p>
@@ -865,7 +865,7 @@
           <a:p>
             <a:fld id="{BD2966E1-FE7C-43DC-AB9F-3BBAAA664D20}" type="datetimeFigureOut">
               <a:rPr lang="da-DK" smtClean="0"/>
-              <a:t>02-04-2020</a:t>
+              <a:t>05-04-2020</a:t>
             </a:fld>
             <a:endParaRPr lang="da-DK"/>
           </a:p>
@@ -1140,7 +1140,7 @@
           <a:p>
             <a:fld id="{BD2966E1-FE7C-43DC-AB9F-3BBAAA664D20}" type="datetimeFigureOut">
               <a:rPr lang="da-DK" smtClean="0"/>
-              <a:t>02-04-2020</a:t>
+              <a:t>05-04-2020</a:t>
             </a:fld>
             <a:endParaRPr lang="da-DK"/>
           </a:p>
@@ -1405,7 +1405,7 @@
           <a:p>
             <a:fld id="{BD2966E1-FE7C-43DC-AB9F-3BBAAA664D20}" type="datetimeFigureOut">
               <a:rPr lang="da-DK" smtClean="0"/>
-              <a:t>02-04-2020</a:t>
+              <a:t>05-04-2020</a:t>
             </a:fld>
             <a:endParaRPr lang="da-DK"/>
           </a:p>
@@ -1817,7 +1817,7 @@
           <a:p>
             <a:fld id="{BD2966E1-FE7C-43DC-AB9F-3BBAAA664D20}" type="datetimeFigureOut">
               <a:rPr lang="da-DK" smtClean="0"/>
-              <a:t>02-04-2020</a:t>
+              <a:t>05-04-2020</a:t>
             </a:fld>
             <a:endParaRPr lang="da-DK"/>
           </a:p>
@@ -1958,7 +1958,7 @@
           <a:p>
             <a:fld id="{BD2966E1-FE7C-43DC-AB9F-3BBAAA664D20}" type="datetimeFigureOut">
               <a:rPr lang="da-DK" smtClean="0"/>
-              <a:t>02-04-2020</a:t>
+              <a:t>05-04-2020</a:t>
             </a:fld>
             <a:endParaRPr lang="da-DK"/>
           </a:p>
@@ -2071,7 +2071,7 @@
           <a:p>
             <a:fld id="{BD2966E1-FE7C-43DC-AB9F-3BBAAA664D20}" type="datetimeFigureOut">
               <a:rPr lang="da-DK" smtClean="0"/>
-              <a:t>02-04-2020</a:t>
+              <a:t>05-04-2020</a:t>
             </a:fld>
             <a:endParaRPr lang="da-DK"/>
           </a:p>
@@ -2382,7 +2382,7 @@
           <a:p>
             <a:fld id="{BD2966E1-FE7C-43DC-AB9F-3BBAAA664D20}" type="datetimeFigureOut">
               <a:rPr lang="da-DK" smtClean="0"/>
-              <a:t>02-04-2020</a:t>
+              <a:t>05-04-2020</a:t>
             </a:fld>
             <a:endParaRPr lang="da-DK"/>
           </a:p>
@@ -2670,7 +2670,7 @@
           <a:p>
             <a:fld id="{BD2966E1-FE7C-43DC-AB9F-3BBAAA664D20}" type="datetimeFigureOut">
               <a:rPr lang="da-DK" smtClean="0"/>
-              <a:t>02-04-2020</a:t>
+              <a:t>05-04-2020</a:t>
             </a:fld>
             <a:endParaRPr lang="da-DK"/>
           </a:p>
@@ -2911,7 +2911,7 @@
           <a:p>
             <a:fld id="{BD2966E1-FE7C-43DC-AB9F-3BBAAA664D20}" type="datetimeFigureOut">
               <a:rPr lang="da-DK" smtClean="0"/>
-              <a:t>02-04-2020</a:t>
+              <a:t>05-04-2020</a:t>
             </a:fld>
             <a:endParaRPr lang="da-DK"/>
           </a:p>
@@ -3412,9 +3412,10 @@
           <a:lstStyle/>
           <a:p>
             <a:r>
-              <a:rPr lang="da-DK" sz="7200" b="1" dirty="0"/>
-              <a:t>Episode 5</a:t>
-            </a:r>
+              <a:rPr lang="da-DK" sz="7200" b="1"/>
+              <a:t>Episode 6</a:t>
+            </a:r>
+            <a:endParaRPr lang="da-DK" sz="7200" b="1" dirty="0"/>
           </a:p>
         </p:txBody>
       </p:sp>
@@ -3432,8 +3433,8 @@
         </p:nvSpPr>
         <p:spPr>
           <a:xfrm>
-            <a:off x="4353960" y="4144735"/>
-            <a:ext cx="3484095" cy="1200329"/>
+            <a:off x="3966259" y="4144735"/>
+            <a:ext cx="4259500" cy="1200329"/>
           </a:xfrm>
           <a:prstGeom prst="rect">
             <a:avLst/>
@@ -3449,7 +3450,7 @@
             <a:pPr algn="ctr"/>
             <a:r>
               <a:rPr lang="da-DK" sz="7200" dirty="0"/>
-              <a:t>Metoder</a:t>
+              <a:t>Hændelser</a:t>
             </a:r>
           </a:p>
         </p:txBody>

--- a/noter/Z01Temp/cover.pptx
+++ b/noter/Z01Temp/cover.pptx
@@ -261,7 +261,7 @@
           <a:p>
             <a:fld id="{BD2966E1-FE7C-43DC-AB9F-3BBAAA664D20}" type="datetimeFigureOut">
               <a:rPr lang="da-DK" smtClean="0"/>
-              <a:t>05-04-2020</a:t>
+              <a:t>06-04-2020</a:t>
             </a:fld>
             <a:endParaRPr lang="da-DK"/>
           </a:p>
@@ -459,7 +459,7 @@
           <a:p>
             <a:fld id="{BD2966E1-FE7C-43DC-AB9F-3BBAAA664D20}" type="datetimeFigureOut">
               <a:rPr lang="da-DK" smtClean="0"/>
-              <a:t>05-04-2020</a:t>
+              <a:t>06-04-2020</a:t>
             </a:fld>
             <a:endParaRPr lang="da-DK"/>
           </a:p>
@@ -667,7 +667,7 @@
           <a:p>
             <a:fld id="{BD2966E1-FE7C-43DC-AB9F-3BBAAA664D20}" type="datetimeFigureOut">
               <a:rPr lang="da-DK" smtClean="0"/>
-              <a:t>05-04-2020</a:t>
+              <a:t>06-04-2020</a:t>
             </a:fld>
             <a:endParaRPr lang="da-DK"/>
           </a:p>
@@ -865,7 +865,7 @@
           <a:p>
             <a:fld id="{BD2966E1-FE7C-43DC-AB9F-3BBAAA664D20}" type="datetimeFigureOut">
               <a:rPr lang="da-DK" smtClean="0"/>
-              <a:t>05-04-2020</a:t>
+              <a:t>06-04-2020</a:t>
             </a:fld>
             <a:endParaRPr lang="da-DK"/>
           </a:p>
@@ -1140,7 +1140,7 @@
           <a:p>
             <a:fld id="{BD2966E1-FE7C-43DC-AB9F-3BBAAA664D20}" type="datetimeFigureOut">
               <a:rPr lang="da-DK" smtClean="0"/>
-              <a:t>05-04-2020</a:t>
+              <a:t>06-04-2020</a:t>
             </a:fld>
             <a:endParaRPr lang="da-DK"/>
           </a:p>
@@ -1405,7 +1405,7 @@
           <a:p>
             <a:fld id="{BD2966E1-FE7C-43DC-AB9F-3BBAAA664D20}" type="datetimeFigureOut">
               <a:rPr lang="da-DK" smtClean="0"/>
-              <a:t>05-04-2020</a:t>
+              <a:t>06-04-2020</a:t>
             </a:fld>
             <a:endParaRPr lang="da-DK"/>
           </a:p>
@@ -1817,7 +1817,7 @@
           <a:p>
             <a:fld id="{BD2966E1-FE7C-43DC-AB9F-3BBAAA664D20}" type="datetimeFigureOut">
               <a:rPr lang="da-DK" smtClean="0"/>
-              <a:t>05-04-2020</a:t>
+              <a:t>06-04-2020</a:t>
             </a:fld>
             <a:endParaRPr lang="da-DK"/>
           </a:p>
@@ -1958,7 +1958,7 @@
           <a:p>
             <a:fld id="{BD2966E1-FE7C-43DC-AB9F-3BBAAA664D20}" type="datetimeFigureOut">
               <a:rPr lang="da-DK" smtClean="0"/>
-              <a:t>05-04-2020</a:t>
+              <a:t>06-04-2020</a:t>
             </a:fld>
             <a:endParaRPr lang="da-DK"/>
           </a:p>
@@ -2071,7 +2071,7 @@
           <a:p>
             <a:fld id="{BD2966E1-FE7C-43DC-AB9F-3BBAAA664D20}" type="datetimeFigureOut">
               <a:rPr lang="da-DK" smtClean="0"/>
-              <a:t>05-04-2020</a:t>
+              <a:t>06-04-2020</a:t>
             </a:fld>
             <a:endParaRPr lang="da-DK"/>
           </a:p>
@@ -2382,7 +2382,7 @@
           <a:p>
             <a:fld id="{BD2966E1-FE7C-43DC-AB9F-3BBAAA664D20}" type="datetimeFigureOut">
               <a:rPr lang="da-DK" smtClean="0"/>
-              <a:t>05-04-2020</a:t>
+              <a:t>06-04-2020</a:t>
             </a:fld>
             <a:endParaRPr lang="da-DK"/>
           </a:p>
@@ -2670,7 +2670,7 @@
           <a:p>
             <a:fld id="{BD2966E1-FE7C-43DC-AB9F-3BBAAA664D20}" type="datetimeFigureOut">
               <a:rPr lang="da-DK" smtClean="0"/>
-              <a:t>05-04-2020</a:t>
+              <a:t>06-04-2020</a:t>
             </a:fld>
             <a:endParaRPr lang="da-DK"/>
           </a:p>
@@ -2911,7 +2911,7 @@
           <a:p>
             <a:fld id="{BD2966E1-FE7C-43DC-AB9F-3BBAAA664D20}" type="datetimeFigureOut">
               <a:rPr lang="da-DK" smtClean="0"/>
-              <a:t>05-04-2020</a:t>
+              <a:t>06-04-2020</a:t>
             </a:fld>
             <a:endParaRPr lang="da-DK"/>
           </a:p>
@@ -3412,10 +3412,9 @@
           <a:lstStyle/>
           <a:p>
             <a:r>
-              <a:rPr lang="da-DK" sz="7200" b="1"/>
-              <a:t>Episode 6</a:t>
-            </a:r>
-            <a:endParaRPr lang="da-DK" sz="7200" b="1" dirty="0"/>
+              <a:rPr lang="da-DK" sz="7200" b="1" dirty="0"/>
+              <a:t>Episode 7</a:t>
+            </a:r>
           </a:p>
         </p:txBody>
       </p:sp>
@@ -3433,8 +3432,8 @@
         </p:nvSpPr>
         <p:spPr>
           <a:xfrm>
-            <a:off x="3966259" y="4144735"/>
-            <a:ext cx="4259500" cy="1200329"/>
+            <a:off x="5362987" y="4144735"/>
+            <a:ext cx="1466042" cy="1200329"/>
           </a:xfrm>
           <a:prstGeom prst="rect">
             <a:avLst/>
@@ -3449,9 +3448,10 @@
           <a:p>
             <a:pPr algn="ctr"/>
             <a:r>
-              <a:rPr lang="da-DK" sz="7200" dirty="0"/>
-              <a:t>Hændelser</a:t>
-            </a:r>
+              <a:rPr lang="da-DK" sz="7200"/>
+              <a:t>Arv</a:t>
+            </a:r>
+            <a:endParaRPr lang="da-DK" sz="7200" dirty="0"/>
           </a:p>
         </p:txBody>
       </p:sp>

--- a/noter/Z01Temp/cover.pptx
+++ b/noter/Z01Temp/cover.pptx
@@ -261,7 +261,7 @@
           <a:p>
             <a:fld id="{BD2966E1-FE7C-43DC-AB9F-3BBAAA664D20}" type="datetimeFigureOut">
               <a:rPr lang="da-DK" smtClean="0"/>
-              <a:t>06-04-2020</a:t>
+              <a:t>07-04-2020</a:t>
             </a:fld>
             <a:endParaRPr lang="da-DK"/>
           </a:p>
@@ -459,7 +459,7 @@
           <a:p>
             <a:fld id="{BD2966E1-FE7C-43DC-AB9F-3BBAAA664D20}" type="datetimeFigureOut">
               <a:rPr lang="da-DK" smtClean="0"/>
-              <a:t>06-04-2020</a:t>
+              <a:t>07-04-2020</a:t>
             </a:fld>
             <a:endParaRPr lang="da-DK"/>
           </a:p>
@@ -667,7 +667,7 @@
           <a:p>
             <a:fld id="{BD2966E1-FE7C-43DC-AB9F-3BBAAA664D20}" type="datetimeFigureOut">
               <a:rPr lang="da-DK" smtClean="0"/>
-              <a:t>06-04-2020</a:t>
+              <a:t>07-04-2020</a:t>
             </a:fld>
             <a:endParaRPr lang="da-DK"/>
           </a:p>
@@ -865,7 +865,7 @@
           <a:p>
             <a:fld id="{BD2966E1-FE7C-43DC-AB9F-3BBAAA664D20}" type="datetimeFigureOut">
               <a:rPr lang="da-DK" smtClean="0"/>
-              <a:t>06-04-2020</a:t>
+              <a:t>07-04-2020</a:t>
             </a:fld>
             <a:endParaRPr lang="da-DK"/>
           </a:p>
@@ -1140,7 +1140,7 @@
           <a:p>
             <a:fld id="{BD2966E1-FE7C-43DC-AB9F-3BBAAA664D20}" type="datetimeFigureOut">
               <a:rPr lang="da-DK" smtClean="0"/>
-              <a:t>06-04-2020</a:t>
+              <a:t>07-04-2020</a:t>
             </a:fld>
             <a:endParaRPr lang="da-DK"/>
           </a:p>
@@ -1405,7 +1405,7 @@
           <a:p>
             <a:fld id="{BD2966E1-FE7C-43DC-AB9F-3BBAAA664D20}" type="datetimeFigureOut">
               <a:rPr lang="da-DK" smtClean="0"/>
-              <a:t>06-04-2020</a:t>
+              <a:t>07-04-2020</a:t>
             </a:fld>
             <a:endParaRPr lang="da-DK"/>
           </a:p>
@@ -1817,7 +1817,7 @@
           <a:p>
             <a:fld id="{BD2966E1-FE7C-43DC-AB9F-3BBAAA664D20}" type="datetimeFigureOut">
               <a:rPr lang="da-DK" smtClean="0"/>
-              <a:t>06-04-2020</a:t>
+              <a:t>07-04-2020</a:t>
             </a:fld>
             <a:endParaRPr lang="da-DK"/>
           </a:p>
@@ -1958,7 +1958,7 @@
           <a:p>
             <a:fld id="{BD2966E1-FE7C-43DC-AB9F-3BBAAA664D20}" type="datetimeFigureOut">
               <a:rPr lang="da-DK" smtClean="0"/>
-              <a:t>06-04-2020</a:t>
+              <a:t>07-04-2020</a:t>
             </a:fld>
             <a:endParaRPr lang="da-DK"/>
           </a:p>
@@ -2071,7 +2071,7 @@
           <a:p>
             <a:fld id="{BD2966E1-FE7C-43DC-AB9F-3BBAAA664D20}" type="datetimeFigureOut">
               <a:rPr lang="da-DK" smtClean="0"/>
-              <a:t>06-04-2020</a:t>
+              <a:t>07-04-2020</a:t>
             </a:fld>
             <a:endParaRPr lang="da-DK"/>
           </a:p>
@@ -2382,7 +2382,7 @@
           <a:p>
             <a:fld id="{BD2966E1-FE7C-43DC-AB9F-3BBAAA664D20}" type="datetimeFigureOut">
               <a:rPr lang="da-DK" smtClean="0"/>
-              <a:t>06-04-2020</a:t>
+              <a:t>07-04-2020</a:t>
             </a:fld>
             <a:endParaRPr lang="da-DK"/>
           </a:p>
@@ -2670,7 +2670,7 @@
           <a:p>
             <a:fld id="{BD2966E1-FE7C-43DC-AB9F-3BBAAA664D20}" type="datetimeFigureOut">
               <a:rPr lang="da-DK" smtClean="0"/>
-              <a:t>06-04-2020</a:t>
+              <a:t>07-04-2020</a:t>
             </a:fld>
             <a:endParaRPr lang="da-DK"/>
           </a:p>
@@ -2911,7 +2911,7 @@
           <a:p>
             <a:fld id="{BD2966E1-FE7C-43DC-AB9F-3BBAAA664D20}" type="datetimeFigureOut">
               <a:rPr lang="da-DK" smtClean="0"/>
-              <a:t>06-04-2020</a:t>
+              <a:t>07-04-2020</a:t>
             </a:fld>
             <a:endParaRPr lang="da-DK"/>
           </a:p>
@@ -3413,7 +3413,7 @@
           <a:p>
             <a:r>
               <a:rPr lang="da-DK" sz="7200" b="1" dirty="0"/>
-              <a:t>Episode 7</a:t>
+              <a:t>Episode 8</a:t>
             </a:r>
           </a:p>
         </p:txBody>
@@ -3432,8 +3432,8 @@
         </p:nvSpPr>
         <p:spPr>
           <a:xfrm>
-            <a:off x="5362987" y="4144735"/>
-            <a:ext cx="1466042" cy="1200329"/>
+            <a:off x="4195105" y="4144735"/>
+            <a:ext cx="3801811" cy="1200329"/>
           </a:xfrm>
           <a:prstGeom prst="rect">
             <a:avLst/>
@@ -3448,8 +3448,8 @@
           <a:p>
             <a:pPr algn="ctr"/>
             <a:r>
-              <a:rPr lang="da-DK" sz="7200"/>
-              <a:t>Arv</a:t>
+              <a:rPr lang="da-DK" sz="7200" dirty="0" err="1"/>
+              <a:t>Polymorfi</a:t>
             </a:r>
             <a:endParaRPr lang="da-DK" sz="7200" dirty="0"/>
           </a:p>
